--- a/Documentation/User Guide/Trinh bay chung ve Quantum v1.0.pptx
+++ b/Documentation/User Guide/Trinh bay chung ve Quantum v1.0.pptx
@@ -29497,7 +29497,7 @@
             <a:fld id="{D67B7258-0D76-41E4-BAAE-F5EF9CCE4E44}" type="datetimeFigureOut">
               <a:rPr lang="en-US" smtClean="0"/>
               <a:pPr/>
-              <a:t>7/26/2012</a:t>
+              <a:t>6/1/2013</a:t>
             </a:fld>
             <a:endParaRPr lang="en-US"/>
           </a:p>
@@ -29660,7 +29660,7 @@
             <a:fld id="{97B1DDE9-DE00-498E-94E4-90CD783886E5}" type="datetimeFigureOut">
               <a:rPr lang="en-US" smtClean="0"/>
               <a:pPr/>
-              <a:t>7/26/2012</a:t>
+              <a:t>6/1/2013</a:t>
             </a:fld>
             <a:endParaRPr lang="en-US"/>
           </a:p>
@@ -30019,7 +30019,7 @@
             <a:fld id="{086DCE00-9AFC-4F3A-A09E-901EB7B3F2D2}" type="datetime1">
               <a:rPr lang="en-US" smtClean="0"/>
               <a:pPr/>
-              <a:t>7/26/2012</a:t>
+              <a:t>6/1/2013</a:t>
             </a:fld>
             <a:endParaRPr lang="en-US"/>
           </a:p>
@@ -30162,7 +30162,7 @@
             <a:fld id="{C91BF1D1-F720-4DA3-AC5B-6F09514BD15F}" type="datetime1">
               <a:rPr lang="en-US" smtClean="0"/>
               <a:pPr/>
-              <a:t>7/26/2012</a:t>
+              <a:t>6/1/2013</a:t>
             </a:fld>
             <a:endParaRPr lang="en-US"/>
           </a:p>
@@ -30466,7 +30466,7 @@
             <a:fld id="{49EBD7AB-B263-4820-B148-A1CEC15E36D1}" type="datetime1">
               <a:rPr lang="en-US" smtClean="0"/>
               <a:pPr/>
-              <a:t>7/26/2012</a:t>
+              <a:t>6/1/2013</a:t>
             </a:fld>
             <a:endParaRPr lang="en-US"/>
           </a:p>
@@ -30649,7 +30649,7 @@
             <a:fld id="{94997144-9688-46A8-9A60-AFC220313E5A}" type="datetime1">
               <a:rPr lang="en-US" smtClean="0"/>
               <a:pPr/>
-              <a:t>7/26/2012</a:t>
+              <a:t>6/1/2013</a:t>
             </a:fld>
             <a:endParaRPr lang="en-US"/>
           </a:p>
@@ -30820,7 +30820,7 @@
             <a:fld id="{2D6C0A86-78AE-4615-8220-67851D468112}" type="datetime1">
               <a:rPr lang="en-US" smtClean="0"/>
               <a:pPr/>
-              <a:t>7/26/2012</a:t>
+              <a:t>6/1/2013</a:t>
             </a:fld>
             <a:endParaRPr lang="en-US"/>
           </a:p>
@@ -31006,7 +31006,7 @@
             <a:fld id="{5E5649C5-9389-47D4-B0EF-C13AF6DBEFA3}" type="datetime1">
               <a:rPr lang="en-US" smtClean="0"/>
               <a:pPr/>
-              <a:t>7/26/2012</a:t>
+              <a:t>6/1/2013</a:t>
             </a:fld>
             <a:endParaRPr lang="en-US"/>
           </a:p>
@@ -31182,7 +31182,7 @@
             <a:fld id="{32CB95CE-C2E6-4183-B455-C79C495F7140}" type="datetime1">
               <a:rPr lang="en-US" smtClean="0"/>
               <a:pPr/>
-              <a:t>7/26/2012</a:t>
+              <a:t>6/1/2013</a:t>
             </a:fld>
             <a:endParaRPr lang="en-US"/>
           </a:p>
@@ -31439,7 +31439,7 @@
             <a:fld id="{EB2AA4E3-58A1-4079-B3EB-D0812686C8BF}" type="datetime1">
               <a:rPr lang="en-US" smtClean="0"/>
               <a:pPr/>
-              <a:t>7/26/2012</a:t>
+              <a:t>6/1/2013</a:t>
             </a:fld>
             <a:endParaRPr lang="en-US"/>
           </a:p>
@@ -31716,7 +31716,7 @@
             <a:fld id="{A9555362-E84C-4861-8DBC-084A85C59654}" type="datetime1">
               <a:rPr lang="en-US" smtClean="0"/>
               <a:pPr/>
-              <a:t>7/26/2012</a:t>
+              <a:t>6/1/2013</a:t>
             </a:fld>
             <a:endParaRPr lang="en-US"/>
           </a:p>
@@ -32105,7 +32105,7 @@
             <a:fld id="{A8A64290-5D74-4C02-A861-4B0D68D670E0}" type="datetime1">
               <a:rPr lang="en-US" smtClean="0"/>
               <a:pPr/>
-              <a:t>7/26/2012</a:t>
+              <a:t>6/1/2013</a:t>
             </a:fld>
             <a:endParaRPr lang="en-US"/>
           </a:p>
@@ -32266,7 +32266,7 @@
             <a:fld id="{F2D0AAE0-2026-45AA-B27C-33F8E50113E4}" type="datetime1">
               <a:rPr lang="en-US" smtClean="0"/>
               <a:pPr/>
-              <a:t>7/26/2012</a:t>
+              <a:t>6/1/2013</a:t>
             </a:fld>
             <a:endParaRPr lang="en-US"/>
           </a:p>
@@ -32367,7 +32367,7 @@
             <a:fld id="{4BB7A80F-D798-41DE-A6D6-75AF46B5FC10}" type="datetime1">
               <a:rPr lang="en-US" smtClean="0"/>
               <a:pPr/>
-              <a:t>7/26/2012</a:t>
+              <a:t>6/1/2013</a:t>
             </a:fld>
             <a:endParaRPr lang="en-US"/>
           </a:p>
@@ -32639,7 +32639,7 @@
             <a:fld id="{3A5408EF-9789-40AE-86B8-6E3F4A4A7F1D}" type="datetime1">
               <a:rPr lang="en-US" smtClean="0"/>
               <a:pPr/>
-              <a:t>7/26/2012</a:t>
+              <a:t>6/1/2013</a:t>
             </a:fld>
             <a:endParaRPr lang="en-US"/>
           </a:p>
@@ -32938,7 +32938,7 @@
             <a:fld id="{87CEB33A-16F5-49DF-B83A-20011B2D593A}" type="datetime1">
               <a:rPr lang="en-US" smtClean="0"/>
               <a:pPr/>
-              <a:t>7/26/2012</a:t>
+              <a:t>6/1/2013</a:t>
             </a:fld>
             <a:endParaRPr lang="en-US"/>
           </a:p>
@@ -33720,7 +33720,7 @@
             <a:fld id="{4A24DF19-D717-4822-B1D0-581103B113F3}" type="datetime1">
               <a:rPr lang="en-US" smtClean="0"/>
               <a:pPr/>
-              <a:t>7/26/2012</a:t>
+              <a:t>6/1/2013</a:t>
             </a:fld>
             <a:endParaRPr lang="en-US"/>
           </a:p>
@@ -34742,7 +34742,7 @@
           <a:p>
             <a:r>
               <a:rPr lang="en-US" dirty="0" err="1" smtClean="0"/>
-              <a:t>Giảm</a:t>
+              <a:t>Linh</a:t>
             </a:r>
             <a:r>
               <a:rPr lang="en-US" dirty="0" smtClean="0"/>
@@ -34750,7 +34750,7 @@
             </a:r>
             <a:r>
               <a:rPr lang="en-US" dirty="0" err="1" smtClean="0"/>
-              <a:t>thiểu</a:t>
+              <a:t>hoạt</a:t>
             </a:r>
             <a:r>
               <a:rPr lang="en-US" dirty="0" smtClean="0"/>
@@ -34758,19 +34758,11 @@
             </a:r>
             <a:r>
               <a:rPr lang="en-US" dirty="0" err="1" smtClean="0"/>
-              <a:t>rủi</a:t>
+              <a:t>với</a:t>
             </a:r>
             <a:r>
               <a:rPr lang="en-US" dirty="0" smtClean="0"/>
               <a:t> </a:t>
-            </a:r>
-            <a:r>
-              <a:rPr lang="en-US" dirty="0" err="1" smtClean="0"/>
-              <a:t>ro</a:t>
-            </a:r>
-            <a:r>
-              <a:rPr lang="en-US" dirty="0" smtClean="0"/>
-              <a:t> do </a:t>
             </a:r>
             <a:r>
               <a:rPr lang="en-US" dirty="0" err="1" smtClean="0"/>
@@ -34782,7 +34774,7 @@
             </a:r>
             <a:r>
               <a:rPr lang="en-US" dirty="0" err="1" smtClean="0"/>
-              <a:t>quyết</a:t>
+              <a:t>thay</a:t>
             </a:r>
             <a:r>
               <a:rPr lang="en-US" dirty="0" smtClean="0"/>
@@ -34790,7 +34782,7 @@
             </a:r>
             <a:r>
               <a:rPr lang="en-US" dirty="0" err="1" smtClean="0"/>
-              <a:t>định</a:t>
+              <a:t>đổi</a:t>
             </a:r>
             <a:r>
               <a:rPr lang="en-US" dirty="0" smtClean="0"/>
@@ -34798,7 +34790,7 @@
             </a:r>
             <a:r>
               <a:rPr lang="en-US" dirty="0" err="1" smtClean="0"/>
-              <a:t>tâm</a:t>
+              <a:t>mới</a:t>
             </a:r>
             <a:r>
               <a:rPr lang="en-US" dirty="0" smtClean="0"/>
@@ -34806,14 +34798,30 @@
             </a:r>
             <a:r>
               <a:rPr lang="en-US" dirty="0" err="1" smtClean="0"/>
-              <a:t>lý</a:t>
+              <a:t>của</a:t>
+            </a:r>
+            <a:r>
+              <a:rPr lang="en-US" dirty="0" smtClean="0"/>
+              <a:t> </a:t>
+            </a:r>
+            <a:r>
+              <a:rPr lang="en-US" dirty="0" err="1" smtClean="0"/>
+              <a:t>thị</a:t>
+            </a:r>
+            <a:r>
+              <a:rPr lang="en-US" dirty="0" smtClean="0"/>
+              <a:t> </a:t>
+            </a:r>
+            <a:r>
+              <a:rPr lang="en-US" dirty="0" err="1" smtClean="0"/>
+              <a:t>trường</a:t>
             </a:r>
             <a:endParaRPr lang="en-US" dirty="0" smtClean="0"/>
           </a:p>
           <a:p>
             <a:r>
               <a:rPr lang="en-US" dirty="0" err="1" smtClean="0"/>
-              <a:t>Linh</a:t>
+              <a:t>Giảm</a:t>
             </a:r>
             <a:r>
               <a:rPr lang="en-US" dirty="0" smtClean="0"/>
@@ -34821,7 +34829,7 @@
             </a:r>
             <a:r>
               <a:rPr lang="en-US" dirty="0" err="1" smtClean="0"/>
-              <a:t>hoạt</a:t>
+              <a:t>thiểu</a:t>
             </a:r>
             <a:r>
               <a:rPr lang="en-US" dirty="0" smtClean="0"/>
@@ -34829,11 +34837,19 @@
             </a:r>
             <a:r>
               <a:rPr lang="en-US" dirty="0" err="1" smtClean="0"/>
-              <a:t>với</a:t>
+              <a:t>rủi</a:t>
             </a:r>
             <a:r>
               <a:rPr lang="en-US" dirty="0" smtClean="0"/>
               <a:t> </a:t>
+            </a:r>
+            <a:r>
+              <a:rPr lang="en-US" dirty="0" err="1" smtClean="0"/>
+              <a:t>ro</a:t>
+            </a:r>
+            <a:r>
+              <a:rPr lang="en-US" dirty="0" smtClean="0"/>
+              <a:t> do </a:t>
             </a:r>
             <a:r>
               <a:rPr lang="en-US" dirty="0" err="1" smtClean="0"/>
@@ -34845,7 +34861,7 @@
             </a:r>
             <a:r>
               <a:rPr lang="en-US" dirty="0" err="1" smtClean="0"/>
-              <a:t>thay</a:t>
+              <a:t>quyết</a:t>
             </a:r>
             <a:r>
               <a:rPr lang="en-US" dirty="0" smtClean="0"/>
@@ -34853,7 +34869,7 @@
             </a:r>
             <a:r>
               <a:rPr lang="en-US" dirty="0" err="1" smtClean="0"/>
-              <a:t>đổi</a:t>
+              <a:t>định</a:t>
             </a:r>
             <a:r>
               <a:rPr lang="en-US" dirty="0" smtClean="0"/>
@@ -34861,33 +34877,17 @@
             </a:r>
             <a:r>
               <a:rPr lang="en-US" dirty="0" err="1" smtClean="0"/>
-              <a:t>mới</a:t>
+              <a:t>tâm</a:t>
             </a:r>
             <a:r>
               <a:rPr lang="en-US" dirty="0" smtClean="0"/>
               <a:t> </a:t>
             </a:r>
             <a:r>
-              <a:rPr lang="en-US" dirty="0" err="1" smtClean="0"/>
-              <a:t>của</a:t>
-            </a:r>
-            <a:r>
-              <a:rPr lang="en-US" dirty="0" smtClean="0"/>
-              <a:t> </a:t>
-            </a:r>
-            <a:r>
-              <a:rPr lang="en-US" dirty="0" err="1" smtClean="0"/>
-              <a:t>thị</a:t>
-            </a:r>
-            <a:r>
-              <a:rPr lang="en-US" dirty="0" smtClean="0"/>
-              <a:t> </a:t>
-            </a:r>
-            <a:r>
-              <a:rPr lang="en-US" dirty="0" err="1" smtClean="0"/>
-              <a:t>trường</a:t>
-            </a:r>
-            <a:endParaRPr lang="en-US" dirty="0" smtClean="0"/>
+              <a:rPr lang="en-US" smtClean="0"/>
+              <a:t>lý</a:t>
+            </a:r>
+            <a:endParaRPr lang="en-US" smtClean="0"/>
           </a:p>
           <a:p>
             <a:r>
@@ -35012,7 +35012,7 @@
             <a:fld id="{5BCEC2D5-6277-4EA1-9D4F-069E5889BFC9}" type="datetime1">
               <a:rPr lang="en-US" smtClean="0"/>
               <a:pPr/>
-              <a:t>7/26/2012</a:t>
+              <a:t>6/1/2013</a:t>
             </a:fld>
             <a:endParaRPr lang="en-US"/>
           </a:p>
@@ -36121,7 +36121,7 @@
             <a:fld id="{22CFD9DE-48D9-472F-B204-8B64DF6914EF}" type="datetime1">
               <a:rPr lang="en-US" smtClean="0"/>
               <a:pPr/>
-              <a:t>7/26/2012</a:t>
+              <a:t>6/1/2013</a:t>
             </a:fld>
             <a:endParaRPr lang="en-US"/>
           </a:p>
@@ -37262,7 +37262,7 @@
             <a:fld id="{80BC6276-30A0-4941-A8D1-EFDC092206D4}" type="datetime1">
               <a:rPr lang="en-US" smtClean="0"/>
               <a:pPr/>
-              <a:t>7/26/2012</a:t>
+              <a:t>6/1/2013</a:t>
             </a:fld>
             <a:endParaRPr lang="en-US"/>
           </a:p>
@@ -37487,7 +37487,7 @@
             <a:fld id="{CCE19D39-093E-4C58-AC67-F6AD4D2F8FE8}" type="datetime1">
               <a:rPr lang="en-US" smtClean="0"/>
               <a:pPr/>
-              <a:t>7/26/2012</a:t>
+              <a:t>6/1/2013</a:t>
             </a:fld>
             <a:endParaRPr lang="en-US"/>
           </a:p>
@@ -37688,11 +37688,7 @@
             </a:pPr>
             <a:r>
               <a:rPr lang="vi-VN" sz="2400" dirty="0" smtClean="0"/>
-              <a:t>Xác định xu hướng chính của thị </a:t>
-            </a:r>
-            <a:r>
-              <a:rPr lang="vi-VN" sz="2400" dirty="0" smtClean="0"/>
-              <a:t>trường</a:t>
+              <a:t>Xác định xu hướng chính của thị trường</a:t>
             </a:r>
             <a:endParaRPr lang="en-US" sz="2400" dirty="0" smtClean="0"/>
           </a:p>
@@ -37725,11 +37721,7 @@
             </a:pPr>
             <a:r>
               <a:rPr lang="vi-VN" sz="2400" dirty="0" smtClean="0"/>
-              <a:t>Quyết định </a:t>
-            </a:r>
-            <a:r>
-              <a:rPr lang="vi-VN" sz="2400" dirty="0" smtClean="0"/>
-              <a:t>Mua/Bán</a:t>
+              <a:t>Quyết định Mua/Bán</a:t>
             </a:r>
             <a:endParaRPr lang="en-US" sz="2400" dirty="0" smtClean="0"/>
           </a:p>
@@ -37756,15 +37748,7 @@
             </a:r>
             <a:r>
               <a:rPr lang="vi-VN" sz="2400" dirty="0" smtClean="0"/>
-              <a:t>rủi </a:t>
-            </a:r>
-            <a:r>
-              <a:rPr lang="vi-VN" sz="2400" dirty="0" smtClean="0"/>
-              <a:t>ro và lợi </a:t>
-            </a:r>
-            <a:r>
-              <a:rPr lang="vi-VN" sz="2400" dirty="0" smtClean="0"/>
-              <a:t>nhuận</a:t>
+              <a:t>rủi ro và lợi nhuận</a:t>
             </a:r>
             <a:endParaRPr lang="en-US" sz="2400" dirty="0" smtClean="0"/>
           </a:p>
@@ -37775,11 +37759,7 @@
             </a:pPr>
             <a:r>
               <a:rPr lang="vi-VN" sz="2400" dirty="0" smtClean="0"/>
-              <a:t>Kiểm </a:t>
-            </a:r>
-            <a:r>
-              <a:rPr lang="vi-VN" sz="2400" dirty="0" smtClean="0"/>
-              <a:t>tra và tối ưu hóa các thông số</a:t>
+              <a:t>Kiểm tra và tối ưu hóa các thông số</a:t>
             </a:r>
           </a:p>
         </p:txBody>
@@ -37802,7 +37782,7 @@
             <a:fld id="{A40FE255-351B-4F71-9564-2E8AF14864D2}" type="datetime1">
               <a:rPr lang="en-US" smtClean="0"/>
               <a:pPr/>
-              <a:t>7/26/2012</a:t>
+              <a:t>6/1/2013</a:t>
             </a:fld>
             <a:endParaRPr lang="en-US"/>
           </a:p>
@@ -37995,7 +37975,7 @@
             <a:fld id="{5C28DDC4-A5DF-4597-A063-3426E0342E1D}" type="datetime1">
               <a:rPr lang="en-US" smtClean="0"/>
               <a:pPr/>
-              <a:t>7/26/2012</a:t>
+              <a:t>6/1/2013</a:t>
             </a:fld>
             <a:endParaRPr lang="en-US"/>
           </a:p>
@@ -38197,7 +38177,7 @@
             <a:fld id="{EC553A14-DB36-41C1-8C72-3BF75CB4242B}" type="datetime1">
               <a:rPr lang="en-US" smtClean="0"/>
               <a:pPr/>
-              <a:t>7/26/2012</a:t>
+              <a:t>6/1/2013</a:t>
             </a:fld>
             <a:endParaRPr lang="en-US"/>
           </a:p>
@@ -38577,7 +38557,7 @@
             <a:fld id="{4D1AE4F0-679F-4DCB-A678-DDBD44A4774F}" type="datetime1">
               <a:rPr lang="en-US" smtClean="0"/>
               <a:pPr/>
-              <a:t>7/26/2012</a:t>
+              <a:t>6/1/2013</a:t>
             </a:fld>
             <a:endParaRPr lang="en-US" dirty="0"/>
           </a:p>
@@ -38790,7 +38770,7 @@
             <a:fld id="{3BB21463-4838-4C09-AE5E-3FEF0038FE19}" type="datetime1">
               <a:rPr lang="en-US" smtClean="0"/>
               <a:pPr/>
-              <a:t>7/26/2012</a:t>
+              <a:t>6/1/2013</a:t>
             </a:fld>
             <a:endParaRPr lang="en-US"/>
           </a:p>
@@ -39181,7 +39161,7 @@
             <a:fld id="{3E047E4D-813C-4633-8934-95F6FED28DFE}" type="datetime1">
               <a:rPr lang="en-US" smtClean="0"/>
               <a:pPr/>
-              <a:t>7/26/2012</a:t>
+              <a:t>6/1/2013</a:t>
             </a:fld>
             <a:endParaRPr lang="en-US"/>
           </a:p>
@@ -39461,7 +39441,7 @@
             <a:fld id="{26C68C5F-AFBE-4492-9DF6-6C65D1174592}" type="datetime1">
               <a:rPr lang="en-US" smtClean="0"/>
               <a:pPr/>
-              <a:t>7/26/2012</a:t>
+              <a:t>6/1/2013</a:t>
             </a:fld>
             <a:endParaRPr lang="en-US"/>
           </a:p>
@@ -39682,7 +39662,7 @@
             <a:fld id="{72D9D755-A09B-4BFE-A598-D4E4312EE5E2}" type="datetime1">
               <a:rPr lang="en-US" smtClean="0"/>
               <a:pPr/>
-              <a:t>7/26/2012</a:t>
+              <a:t>6/1/2013</a:t>
             </a:fld>
             <a:endParaRPr lang="en-US"/>
           </a:p>
@@ -39889,7 +39869,7 @@
             <a:fld id="{F4C1524C-99A7-45C3-AFD9-62FAB8070733}" type="datetime1">
               <a:rPr lang="en-US" smtClean="0"/>
               <a:pPr/>
-              <a:t>7/26/2012</a:t>
+              <a:t>6/1/2013</a:t>
             </a:fld>
             <a:endParaRPr lang="en-US"/>
           </a:p>
@@ -40103,7 +40083,7 @@
             <a:fld id="{F979E7D7-A650-482B-BB03-F4B0DE9F0770}" type="datetime1">
               <a:rPr lang="en-US" smtClean="0"/>
               <a:pPr/>
-              <a:t>7/26/2012</a:t>
+              <a:t>6/1/2013</a:t>
             </a:fld>
             <a:endParaRPr lang="en-US"/>
           </a:p>
@@ -40317,7 +40297,7 @@
             <a:fld id="{0B0B8D55-0018-42B7-926F-D0DD539AF412}" type="datetime1">
               <a:rPr lang="en-US" smtClean="0"/>
               <a:pPr/>
-              <a:t>7/26/2012</a:t>
+              <a:t>6/1/2013</a:t>
             </a:fld>
             <a:endParaRPr lang="en-US"/>
           </a:p>
@@ -40531,7 +40511,7 @@
             <a:fld id="{5FF8CDF0-CBA1-4A24-B16E-155A34A10C84}" type="datetime1">
               <a:rPr lang="en-US" smtClean="0"/>
               <a:pPr/>
-              <a:t>7/26/2012</a:t>
+              <a:t>6/1/2013</a:t>
             </a:fld>
             <a:endParaRPr lang="en-US"/>
           </a:p>
@@ -40888,7 +40868,7 @@
             <a:fld id="{070098AE-F4E0-48EA-B581-0D803894CE3B}" type="datetime1">
               <a:rPr lang="en-US" smtClean="0"/>
               <a:pPr/>
-              <a:t>7/26/2012</a:t>
+              <a:t>6/1/2013</a:t>
             </a:fld>
             <a:endParaRPr lang="en-US"/>
           </a:p>
@@ -41492,7 +41472,7 @@
             <a:fld id="{3CB2A3F9-342B-4A6E-A5A1-02C7175276B5}" type="datetime1">
               <a:rPr lang="en-US" smtClean="0"/>
               <a:pPr/>
-              <a:t>7/26/2012</a:t>
+              <a:t>6/1/2013</a:t>
             </a:fld>
             <a:endParaRPr lang="en-US"/>
           </a:p>
@@ -41626,7 +41606,7 @@
             <a:fld id="{F6CEB633-780C-43A9-B7E2-27231863B689}" type="datetime1">
               <a:rPr lang="en-US" smtClean="0"/>
               <a:pPr/>
-              <a:t>7/26/2012</a:t>
+              <a:t>6/1/2013</a:t>
             </a:fld>
             <a:endParaRPr lang="en-US"/>
           </a:p>
@@ -42819,7 +42799,7 @@
             <a:fld id="{223C07F6-3933-4371-BBBF-9AF7D294553D}" type="datetime1">
               <a:rPr lang="en-US" smtClean="0"/>
               <a:pPr/>
-              <a:t>7/26/2012</a:t>
+              <a:t>6/1/2013</a:t>
             </a:fld>
             <a:endParaRPr lang="en-US"/>
           </a:p>
@@ -43262,7 +43242,7 @@
             <a:fld id="{045B0F5E-2DC6-4598-AF46-175E1A446A21}" type="datetime1">
               <a:rPr lang="en-US" smtClean="0"/>
               <a:pPr/>
-              <a:t>7/26/2012</a:t>
+              <a:t>6/1/2013</a:t>
             </a:fld>
             <a:endParaRPr lang="en-US"/>
           </a:p>
@@ -44333,7 +44313,7 @@
             <a:fld id="{9B874154-1894-4158-A18A-155B72EA8AC0}" type="datetime1">
               <a:rPr lang="en-US" smtClean="0"/>
               <a:pPr/>
-              <a:t>7/26/2012</a:t>
+              <a:t>6/1/2013</a:t>
             </a:fld>
             <a:endParaRPr lang="en-US"/>
           </a:p>
@@ -44710,7 +44690,7 @@
             <a:fld id="{BBBF7CD9-536C-4912-8311-13BE8B2B0CFA}" type="datetime1">
               <a:rPr lang="en-US" smtClean="0"/>
               <a:pPr/>
-              <a:t>7/26/2012</a:t>
+              <a:t>6/1/2013</a:t>
             </a:fld>
             <a:endParaRPr lang="en-US"/>
           </a:p>
@@ -44897,7 +44877,7 @@
             <a:fld id="{9B5A0BAA-285A-43D0-A1B4-7C80130802E6}" type="datetime1">
               <a:rPr lang="en-US" smtClean="0"/>
               <a:pPr/>
-              <a:t>7/26/2012</a:t>
+              <a:t>6/1/2013</a:t>
             </a:fld>
             <a:endParaRPr lang="en-US"/>
           </a:p>
@@ -45706,7 +45686,7 @@
             <a:fld id="{B6A9B7C7-39ED-4514-8C36-FDF0F50029B1}" type="datetime1">
               <a:rPr lang="en-US" smtClean="0"/>
               <a:pPr/>
-              <a:t>7/26/2012</a:t>
+              <a:t>6/1/2013</a:t>
             </a:fld>
             <a:endParaRPr lang="en-US"/>
           </a:p>
